--- a/docs/Presentation-VisionAI-Proposal.pptx
+++ b/docs/Presentation-VisionAI-Proposal.pptx
@@ -41,6 +41,7 @@
     <p:sldId id="289" r:id="rId35"/>
     <p:sldId id="290" r:id="rId36"/>
     <p:sldId id="291" r:id="rId37"/>
+    <p:sldId id="292" r:id="rId38"/>
   </p:sldIdLst>
   <p:sldSz cx="9144000" cy="5143500" type="screen16x9"/>
   <p:notesSz cx="6858000" cy="9144000"/>
@@ -5402,7 +5403,7 @@
             </a:pPr>
             <a:r>
               <a:rPr/>
-              <a:t>投資與效益</a:t>
+              <a:t>投資與效益 (保守估計)</a:t>
             </a:r>
           </a:p>
         </p:txBody>
@@ -5508,22 +5509,22 @@
                       </a:pPr>
                       <a:r>
                         <a:rPr b="1"/>
-                        <a:t>年度效益</a:t>
-                      </a:r>
-                    </a:p>
-                  </a:txBody>
-                </a:tc>
-                <a:tc>
-                  <a:txBody>
-                    <a:bodyPr/>
-                    <a:lstStyle/>
-                    <a:p>
-                      <a:pPr lvl="0" indent="0" marL="0">
-                        <a:buNone/>
-                      </a:pPr>
-                      <a:r>
-                        <a:rPr/>
-                        <a:t>NT$1,700,000</a:t>
+                        <a:t>第一年效益</a:t>
+                      </a:r>
+                    </a:p>
+                  </a:txBody>
+                </a:tc>
+                <a:tc>
+                  <a:txBody>
+                    <a:bodyPr/>
+                    <a:lstStyle/>
+                    <a:p>
+                      <a:pPr lvl="0" indent="0" marL="0">
+                        <a:buNone/>
+                      </a:pPr>
+                      <a:r>
+                        <a:rPr/>
+                        <a:t>NT$600,000</a:t>
                       </a:r>
                     </a:p>
                   </a:txBody>
@@ -5540,22 +5541,22 @@
                       </a:pPr>
                       <a:r>
                         <a:rPr b="1"/>
-                        <a:t>投資回收期</a:t>
-                      </a:r>
-                    </a:p>
-                  </a:txBody>
-                </a:tc>
-                <a:tc>
-                  <a:txBody>
-                    <a:bodyPr/>
-                    <a:lstStyle/>
-                    <a:p>
-                      <a:pPr lvl="0" indent="0" marL="0">
-                        <a:buNone/>
-                      </a:pPr>
-                      <a:r>
-                        <a:rPr b="1"/>
-                        <a:t>5.6 個月</a:t>
+                        <a:t>第二年起效益</a:t>
+                      </a:r>
+                    </a:p>
+                  </a:txBody>
+                </a:tc>
+                <a:tc>
+                  <a:txBody>
+                    <a:bodyPr/>
+                    <a:lstStyle/>
+                    <a:p>
+                      <a:pPr lvl="0" indent="0" marL="0">
+                        <a:buNone/>
+                      </a:pPr>
+                      <a:r>
+                        <a:rPr/>
+                        <a:t>NT$900,000</a:t>
                       </a:r>
                     </a:p>
                   </a:txBody>
@@ -5572,6 +5573,38 @@
                       </a:pPr>
                       <a:r>
                         <a:rPr b="1"/>
+                        <a:t>投資回收期</a:t>
+                      </a:r>
+                    </a:p>
+                  </a:txBody>
+                </a:tc>
+                <a:tc>
+                  <a:txBody>
+                    <a:bodyPr/>
+                    <a:lstStyle/>
+                    <a:p>
+                      <a:pPr lvl="0" indent="0" marL="0">
+                        <a:buNone/>
+                      </a:pPr>
+                      <a:r>
+                        <a:rPr b="1"/>
+                        <a:t>約 16 個月</a:t>
+                      </a:r>
+                    </a:p>
+                  </a:txBody>
+                </a:tc>
+              </a:tr>
+              <a:tr h="0">
+                <a:tc>
+                  <a:txBody>
+                    <a:bodyPr/>
+                    <a:lstStyle/>
+                    <a:p>
+                      <a:pPr lvl="0" indent="0" marL="0">
+                        <a:buNone/>
+                      </a:pPr>
+                      <a:r>
+                        <a:rPr b="1"/>
                         <a:t>3 年 ROI</a:t>
                       </a:r>
                     </a:p>
@@ -5587,7 +5620,7 @@
                       </a:pPr>
                       <a:r>
                         <a:rPr b="1"/>
-                        <a:t>542%</a:t>
+                        <a:t>202%</a:t>
                       </a:r>
                     </a:p>
                   </a:txBody>
@@ -5639,7 +5672,7 @@
             </a:pPr>
             <a:r>
               <a:rPr/>
-              <a:t>效益細項</a:t>
+              <a:t>效益細項 (保守估計)</a:t>
             </a:r>
           </a:p>
         </p:txBody>
@@ -5665,8 +5698,9 @@
                 <a:tableStyleId>{5C22544A-7EE6-4342-B048-85BDC9FD1C3A}</a:tableStyleId>
               </a:tblPr>
               <a:tblGrid>
-                <a:gridCol w="4114800"/>
-                <a:gridCol w="4114800"/>
+                <a:gridCol w="2743200"/>
+                <a:gridCol w="2743200"/>
+                <a:gridCol w="2743200"/>
               </a:tblGrid>
               <a:tr h="0">
                 <a:tc>
@@ -5695,7 +5729,23 @@
                       </a:pPr>
                       <a:r>
                         <a:rPr/>
-                        <a:t>年度金額</a:t>
+                        <a:t>第一年</a:t>
+                      </a:r>
+                    </a:p>
+                  </a:txBody>
+                  <a:tcPr/>
+                </a:tc>
+                <a:tc>
+                  <a:txBody>
+                    <a:bodyPr/>
+                    <a:lstStyle/>
+                    <a:p>
+                      <a:pPr lvl="0" indent="0" marL="0">
+                        <a:buNone/>
+                      </a:pPr>
+                      <a:r>
+                        <a:rPr/>
+                        <a:t>第二年起</a:t>
                       </a:r>
                     </a:p>
                   </a:txBody>
@@ -5728,7 +5778,22 @@
                       </a:pPr>
                       <a:r>
                         <a:rPr/>
-                        <a:t>NT$900,000</a:t>
+                        <a:t>NT$250,000</a:t>
+                      </a:r>
+                    </a:p>
+                  </a:txBody>
+                </a:tc>
+                <a:tc>
+                  <a:txBody>
+                    <a:bodyPr/>
+                    <a:lstStyle/>
+                    <a:p>
+                      <a:pPr lvl="0" indent="0" marL="0">
+                        <a:buNone/>
+                      </a:pPr>
+                      <a:r>
+                        <a:rPr/>
+                        <a:t>NT$375,000</a:t>
                       </a:r>
                     </a:p>
                   </a:txBody>
@@ -5760,7 +5825,22 @@
                       </a:pPr>
                       <a:r>
                         <a:rPr/>
-                        <a:t>NT$300,000</a:t>
+                        <a:t>NT$150,000</a:t>
+                      </a:r>
+                    </a:p>
+                  </a:txBody>
+                </a:tc>
+                <a:tc>
+                  <a:txBody>
+                    <a:bodyPr/>
+                    <a:lstStyle/>
+                    <a:p>
+                      <a:pPr lvl="0" indent="0" marL="0">
+                        <a:buNone/>
+                      </a:pPr>
+                      <a:r>
+                        <a:rPr/>
+                        <a:t>NT$225,000</a:t>
                       </a:r>
                     </a:p>
                   </a:txBody>
@@ -5792,7 +5872,22 @@
                       </a:pPr>
                       <a:r>
                         <a:rPr/>
-                        <a:t>NT$500,000</a:t>
+                        <a:t>NT$200,000</a:t>
+                      </a:r>
+                    </a:p>
+                  </a:txBody>
+                </a:tc>
+                <a:tc>
+                  <a:txBody>
+                    <a:bodyPr/>
+                    <a:lstStyle/>
+                    <a:p>
+                      <a:pPr lvl="0" indent="0" marL="0">
+                        <a:buNone/>
+                      </a:pPr>
+                      <a:r>
+                        <a:rPr/>
+                        <a:t>NT$300,000</a:t>
                       </a:r>
                     </a:p>
                   </a:txBody>
@@ -5824,7 +5919,22 @@
                       </a:pPr>
                       <a:r>
                         <a:rPr b="1"/>
-                        <a:t>NT$1,700,000</a:t>
+                        <a:t>NT$600,000</a:t>
+                      </a:r>
+                    </a:p>
+                  </a:txBody>
+                </a:tc>
+                <a:tc>
+                  <a:txBody>
+                    <a:bodyPr/>
+                    <a:lstStyle/>
+                    <a:p>
+                      <a:pPr lvl="0" indent="0" marL="0">
+                        <a:buNone/>
+                      </a:pPr>
+                      <a:r>
+                        <a:rPr b="1"/>
+                        <a:t>NT$900,000</a:t>
                       </a:r>
                     </a:p>
                   </a:txBody>
@@ -5858,30 +5968,25 @@
       </p:grpSpPr>
       <p:sp>
         <p:nvSpPr>
-          <p:cNvPr id="2" name="Title 1"/>
-          <p:cNvSpPr>
-            <a:spLocks noGrp="1"/>
-          </p:cNvSpPr>
-          <p:nvPr>
-            <p:ph type="title"/>
-          </p:nvPr>
-        </p:nvSpPr>
-        <p:spPr>
-          <a:xfrm>
-            <a:off x="722313" y="3305176"/>
-            <a:ext cx="7772400" cy="1021556"/>
-          </a:xfrm>
-        </p:spPr>
-        <p:txBody>
-          <a:bodyPr/>
-          <a:lstStyle/>
-          <a:p>
-            <a:pPr lvl="0" indent="0" marL="0">
+          <p:cNvPr id="3" name="Content Placeholder 2"/>
+          <p:cNvSpPr>
+            <a:spLocks noGrp="1"/>
+          </p:cNvSpPr>
+          <p:nvPr>
+            <p:ph idx="1"/>
+          </p:nvPr>
+        </p:nvSpPr>
+        <p:spPr/>
+        <p:txBody>
+          <a:bodyPr/>
+          <a:lstStyle/>
+          <a:p>
+            <a:pPr lvl="0" indent="0" marL="1270000">
               <a:buNone/>
             </a:pPr>
             <a:r>
-              <a:rPr/>
-              <a:t>實施時程</a:t>
+              <a:rPr sz="2000"/>
+              <a:t>第一年為導入期，第二年起系統成熟效益提升</a:t>
             </a:r>
           </a:p>
         </p:txBody>
@@ -5918,7 +6023,12 @@
             <p:ph type="title"/>
           </p:nvPr>
         </p:nvSpPr>
-        <p:spPr/>
+        <p:spPr>
+          <a:xfrm>
+            <a:off x="722313" y="3305176"/>
+            <a:ext cx="7772400" cy="1021556"/>
+          </a:xfrm>
+        </p:spPr>
         <p:txBody>
           <a:bodyPr/>
           <a:lstStyle/>
@@ -5928,372 +6038,11 @@
             </a:pPr>
             <a:r>
               <a:rPr/>
-              <a:t>12 週實施計畫</a:t>
-            </a:r>
-          </a:p>
-        </p:txBody>
-      </p:sp>
-      <p:graphicFrame>
-        <p:nvGraphicFramePr>
-          <p:cNvPr id="6" name="Content Placeholder 5"/>
-          <p:cNvGraphicFramePr>
-            <a:graphicFrameLocks noGrp="1"/>
-          </p:cNvGraphicFramePr>
-          <p:nvPr>
-            <p:ph idx="1"/>
-          </p:nvPr>
-        </p:nvGraphicFramePr>
-        <p:xfrm>
-          <a:off x="457200" y="1193800"/>
-          <a:ext cx="8229600" cy="3390900"/>
-        </p:xfrm>
-        <a:graphic>
-          <a:graphicData uri="http://schemas.openxmlformats.org/drawingml/2006/table">
-            <a:tbl>
-              <a:tblPr firstRow="1" bandRow="1">
-                <a:tableStyleId>{5C22544A-7EE6-4342-B048-85BDC9FD1C3A}</a:tableStyleId>
-              </a:tblPr>
-              <a:tblGrid>
-                <a:gridCol w="2743200"/>
-                <a:gridCol w="2743200"/>
-                <a:gridCol w="2743200"/>
-              </a:tblGrid>
-              <a:tr h="0">
-                <a:tc>
-                  <a:txBody>
-                    <a:bodyPr/>
-                    <a:lstStyle/>
-                    <a:p>
-                      <a:pPr lvl="0" indent="0" marL="0">
-                        <a:buNone/>
-                      </a:pPr>
-                      <a:r>
-                        <a:rPr/>
-                        <a:t>階段</a:t>
-                      </a:r>
-                    </a:p>
-                  </a:txBody>
-                  <a:tcPr/>
-                </a:tc>
-                <a:tc>
-                  <a:txBody>
-                    <a:bodyPr/>
-                    <a:lstStyle/>
-                    <a:p>
-                      <a:pPr lvl="0" indent="0" marL="0">
-                        <a:buNone/>
-                      </a:pPr>
-                      <a:r>
-                        <a:rPr/>
-                        <a:t>週次</a:t>
-                      </a:r>
-                    </a:p>
-                  </a:txBody>
-                  <a:tcPr/>
-                </a:tc>
-                <a:tc>
-                  <a:txBody>
-                    <a:bodyPr/>
-                    <a:lstStyle/>
-                    <a:p>
-                      <a:pPr lvl="0" indent="0" marL="0">
-                        <a:buNone/>
-                      </a:pPr>
-                      <a:r>
-                        <a:rPr/>
-                        <a:t>工作項目</a:t>
-                      </a:r>
-                    </a:p>
-                  </a:txBody>
-                  <a:tcPr/>
-                </a:tc>
-              </a:tr>
-              <a:tr h="0">
-                <a:tc>
-                  <a:txBody>
-                    <a:bodyPr/>
-                    <a:lstStyle/>
-                    <a:p>
-                      <a:pPr lvl="0" indent="0" marL="0">
-                        <a:buNone/>
-                      </a:pPr>
-                      <a:r>
-                        <a:rPr/>
-                        <a:t>Phase 1</a:t>
-                      </a:r>
-                    </a:p>
-                  </a:txBody>
-                </a:tc>
-                <a:tc>
-                  <a:txBody>
-                    <a:bodyPr/>
-                    <a:lstStyle/>
-                    <a:p>
-                      <a:pPr lvl="0" indent="0" marL="0">
-                        <a:buNone/>
-                      </a:pPr>
-                      <a:r>
-                        <a:rPr/>
-                        <a:t>W1-2</a:t>
-                      </a:r>
-                    </a:p>
-                  </a:txBody>
-                </a:tc>
-                <a:tc>
-                  <a:txBody>
-                    <a:bodyPr/>
-                    <a:lstStyle/>
-                    <a:p>
-                      <a:pPr lvl="0" indent="0" marL="0">
-                        <a:buNone/>
-                      </a:pPr>
-                      <a:r>
-                        <a:rPr/>
-                        <a:t>採購、網路規劃</a:t>
-                      </a:r>
-                    </a:p>
-                  </a:txBody>
-                </a:tc>
-              </a:tr>
-              <a:tr h="0">
-                <a:tc>
-                  <a:txBody>
-                    <a:bodyPr/>
-                    <a:lstStyle/>
-                    <a:p>
-                      <a:pPr lvl="0" indent="0" marL="0">
-                        <a:buNone/>
-                      </a:pPr>
-                      <a:r>
-                        <a:rPr/>
-                        <a:t>Phase 2</a:t>
-                      </a:r>
-                    </a:p>
-                  </a:txBody>
-                </a:tc>
-                <a:tc>
-                  <a:txBody>
-                    <a:bodyPr/>
-                    <a:lstStyle/>
-                    <a:p>
-                      <a:pPr lvl="0" indent="0" marL="0">
-                        <a:buNone/>
-                      </a:pPr>
-                      <a:r>
-                        <a:rPr/>
-                        <a:t>W3-4</a:t>
-                      </a:r>
-                    </a:p>
-                  </a:txBody>
-                </a:tc>
-                <a:tc>
-                  <a:txBody>
-                    <a:bodyPr/>
-                    <a:lstStyle/>
-                    <a:p>
-                      <a:pPr lvl="0" indent="0" marL="0">
-                        <a:buNone/>
-                      </a:pPr>
-                      <a:r>
-                        <a:rPr/>
-                        <a:t>Mac 伺服器建置</a:t>
-                      </a:r>
-                    </a:p>
-                  </a:txBody>
-                </a:tc>
-              </a:tr>
-              <a:tr h="0">
-                <a:tc>
-                  <a:txBody>
-                    <a:bodyPr/>
-                    <a:lstStyle/>
-                    <a:p>
-                      <a:pPr lvl="0" indent="0" marL="0">
-                        <a:buNone/>
-                      </a:pPr>
-                      <a:r>
-                        <a:rPr/>
-                        <a:t>Phase 3</a:t>
-                      </a:r>
-                    </a:p>
-                  </a:txBody>
-                </a:tc>
-                <a:tc>
-                  <a:txBody>
-                    <a:bodyPr/>
-                    <a:lstStyle/>
-                    <a:p>
-                      <a:pPr lvl="0" indent="0" marL="0">
-                        <a:buNone/>
-                      </a:pPr>
-                      <a:r>
-                        <a:rPr/>
-                        <a:t>W5-6</a:t>
-                      </a:r>
-                    </a:p>
-                  </a:txBody>
-                </a:tc>
-                <a:tc>
-                  <a:txBody>
-                    <a:bodyPr/>
-                    <a:lstStyle/>
-                    <a:p>
-                      <a:pPr lvl="0" indent="0" marL="0">
-                        <a:buNone/>
-                      </a:pPr>
-                      <a:r>
-                        <a:rPr/>
-                        <a:t>Edge 安裝</a:t>
-                      </a:r>
-                    </a:p>
-                  </a:txBody>
-                </a:tc>
-              </a:tr>
-              <a:tr h="0">
-                <a:tc>
-                  <a:txBody>
-                    <a:bodyPr/>
-                    <a:lstStyle/>
-                    <a:p>
-                      <a:pPr lvl="0" indent="0" marL="0">
-                        <a:buNone/>
-                      </a:pPr>
-                      <a:r>
-                        <a:rPr/>
-                        <a:t>Phase 4</a:t>
-                      </a:r>
-                    </a:p>
-                  </a:txBody>
-                </a:tc>
-                <a:tc>
-                  <a:txBody>
-                    <a:bodyPr/>
-                    <a:lstStyle/>
-                    <a:p>
-                      <a:pPr lvl="0" indent="0" marL="0">
-                        <a:buNone/>
-                      </a:pPr>
-                      <a:r>
-                        <a:rPr/>
-                        <a:t>W7-8</a:t>
-                      </a:r>
-                    </a:p>
-                  </a:txBody>
-                </a:tc>
-                <a:tc>
-                  <a:txBody>
-                    <a:bodyPr/>
-                    <a:lstStyle/>
-                    <a:p>
-                      <a:pPr lvl="0" indent="0" marL="0">
-                        <a:buNone/>
-                      </a:pPr>
-                      <a:r>
-                        <a:rPr/>
-                        <a:t>API 整合</a:t>
-                      </a:r>
-                    </a:p>
-                  </a:txBody>
-                </a:tc>
-              </a:tr>
-              <a:tr h="0">
-                <a:tc>
-                  <a:txBody>
-                    <a:bodyPr/>
-                    <a:lstStyle/>
-                    <a:p>
-                      <a:pPr lvl="0" indent="0" marL="0">
-                        <a:buNone/>
-                      </a:pPr>
-                      <a:r>
-                        <a:rPr/>
-                        <a:t>Phase 5</a:t>
-                      </a:r>
-                    </a:p>
-                  </a:txBody>
-                </a:tc>
-                <a:tc>
-                  <a:txBody>
-                    <a:bodyPr/>
-                    <a:lstStyle/>
-                    <a:p>
-                      <a:pPr lvl="0" indent="0" marL="0">
-                        <a:buNone/>
-                      </a:pPr>
-                      <a:r>
-                        <a:rPr/>
-                        <a:t>W9-10</a:t>
-                      </a:r>
-                    </a:p>
-                  </a:txBody>
-                </a:tc>
-                <a:tc>
-                  <a:txBody>
-                    <a:bodyPr/>
-                    <a:lstStyle/>
-                    <a:p>
-                      <a:pPr lvl="0" indent="0" marL="0">
-                        <a:buNone/>
-                      </a:pPr>
-                      <a:r>
-                        <a:rPr/>
-                        <a:t>測試驗證</a:t>
-                      </a:r>
-                    </a:p>
-                  </a:txBody>
-                </a:tc>
-              </a:tr>
-              <a:tr h="0">
-                <a:tc>
-                  <a:txBody>
-                    <a:bodyPr/>
-                    <a:lstStyle/>
-                    <a:p>
-                      <a:pPr lvl="0" indent="0" marL="0">
-                        <a:buNone/>
-                      </a:pPr>
-                      <a:r>
-                        <a:rPr/>
-                        <a:t>Phase 6</a:t>
-                      </a:r>
-                    </a:p>
-                  </a:txBody>
-                </a:tc>
-                <a:tc>
-                  <a:txBody>
-                    <a:bodyPr/>
-                    <a:lstStyle/>
-                    <a:p>
-                      <a:pPr lvl="0" indent="0" marL="0">
-                        <a:buNone/>
-                      </a:pPr>
-                      <a:r>
-                        <a:rPr/>
-                        <a:t>W11-12</a:t>
-                      </a:r>
-                    </a:p>
-                  </a:txBody>
-                </a:tc>
-                <a:tc>
-                  <a:txBody>
-                    <a:bodyPr/>
-                    <a:lstStyle/>
-                    <a:p>
-                      <a:pPr lvl="0" indent="0" marL="0">
-                        <a:buNone/>
-                      </a:pPr>
-                      <a:r>
-                        <a:rPr/>
-                        <a:t>上線</a:t>
-                      </a:r>
-                    </a:p>
-                  </a:txBody>
-                </a:tc>
-              </a:tr>
-            </a:tbl>
-          </a:graphicData>
-        </a:graphic>
-      </p:graphicFrame>
+              <a:t>實施時程</a:t>
+            </a:r>
+          </a:p>
+        </p:txBody>
+      </p:sp>
     </p:spTree>
   </p:cSld>
 </p:sld>
@@ -6326,12 +6075,7 @@
             <p:ph type="title"/>
           </p:nvPr>
         </p:nvSpPr>
-        <p:spPr>
-          <a:xfrm>
-            <a:off x="722313" y="3305176"/>
-            <a:ext cx="7772400" cy="1021556"/>
-          </a:xfrm>
-        </p:spPr>
+        <p:spPr/>
         <p:txBody>
           <a:bodyPr/>
           <a:lstStyle/>
@@ -6341,11 +6085,372 @@
             </a:pPr>
             <a:r>
               <a:rPr/>
-              <a:t>POC 驗證結果</a:t>
-            </a:r>
-          </a:p>
-        </p:txBody>
-      </p:sp>
+              <a:t>12 週實施計畫</a:t>
+            </a:r>
+          </a:p>
+        </p:txBody>
+      </p:sp>
+      <p:graphicFrame>
+        <p:nvGraphicFramePr>
+          <p:cNvPr id="6" name="Content Placeholder 5"/>
+          <p:cNvGraphicFramePr>
+            <a:graphicFrameLocks noGrp="1"/>
+          </p:cNvGraphicFramePr>
+          <p:nvPr>
+            <p:ph idx="1"/>
+          </p:nvPr>
+        </p:nvGraphicFramePr>
+        <p:xfrm>
+          <a:off x="457200" y="1193800"/>
+          <a:ext cx="8229600" cy="3390900"/>
+        </p:xfrm>
+        <a:graphic>
+          <a:graphicData uri="http://schemas.openxmlformats.org/drawingml/2006/table">
+            <a:tbl>
+              <a:tblPr firstRow="1" bandRow="1">
+                <a:tableStyleId>{5C22544A-7EE6-4342-B048-85BDC9FD1C3A}</a:tableStyleId>
+              </a:tblPr>
+              <a:tblGrid>
+                <a:gridCol w="2743200"/>
+                <a:gridCol w="2743200"/>
+                <a:gridCol w="2743200"/>
+              </a:tblGrid>
+              <a:tr h="0">
+                <a:tc>
+                  <a:txBody>
+                    <a:bodyPr/>
+                    <a:lstStyle/>
+                    <a:p>
+                      <a:pPr lvl="0" indent="0" marL="0">
+                        <a:buNone/>
+                      </a:pPr>
+                      <a:r>
+                        <a:rPr/>
+                        <a:t>階段</a:t>
+                      </a:r>
+                    </a:p>
+                  </a:txBody>
+                  <a:tcPr/>
+                </a:tc>
+                <a:tc>
+                  <a:txBody>
+                    <a:bodyPr/>
+                    <a:lstStyle/>
+                    <a:p>
+                      <a:pPr lvl="0" indent="0" marL="0">
+                        <a:buNone/>
+                      </a:pPr>
+                      <a:r>
+                        <a:rPr/>
+                        <a:t>週次</a:t>
+                      </a:r>
+                    </a:p>
+                  </a:txBody>
+                  <a:tcPr/>
+                </a:tc>
+                <a:tc>
+                  <a:txBody>
+                    <a:bodyPr/>
+                    <a:lstStyle/>
+                    <a:p>
+                      <a:pPr lvl="0" indent="0" marL="0">
+                        <a:buNone/>
+                      </a:pPr>
+                      <a:r>
+                        <a:rPr/>
+                        <a:t>工作項目</a:t>
+                      </a:r>
+                    </a:p>
+                  </a:txBody>
+                  <a:tcPr/>
+                </a:tc>
+              </a:tr>
+              <a:tr h="0">
+                <a:tc>
+                  <a:txBody>
+                    <a:bodyPr/>
+                    <a:lstStyle/>
+                    <a:p>
+                      <a:pPr lvl="0" indent="0" marL="0">
+                        <a:buNone/>
+                      </a:pPr>
+                      <a:r>
+                        <a:rPr/>
+                        <a:t>Phase 1</a:t>
+                      </a:r>
+                    </a:p>
+                  </a:txBody>
+                </a:tc>
+                <a:tc>
+                  <a:txBody>
+                    <a:bodyPr/>
+                    <a:lstStyle/>
+                    <a:p>
+                      <a:pPr lvl="0" indent="0" marL="0">
+                        <a:buNone/>
+                      </a:pPr>
+                      <a:r>
+                        <a:rPr/>
+                        <a:t>W1-2</a:t>
+                      </a:r>
+                    </a:p>
+                  </a:txBody>
+                </a:tc>
+                <a:tc>
+                  <a:txBody>
+                    <a:bodyPr/>
+                    <a:lstStyle/>
+                    <a:p>
+                      <a:pPr lvl="0" indent="0" marL="0">
+                        <a:buNone/>
+                      </a:pPr>
+                      <a:r>
+                        <a:rPr/>
+                        <a:t>採購、網路規劃</a:t>
+                      </a:r>
+                    </a:p>
+                  </a:txBody>
+                </a:tc>
+              </a:tr>
+              <a:tr h="0">
+                <a:tc>
+                  <a:txBody>
+                    <a:bodyPr/>
+                    <a:lstStyle/>
+                    <a:p>
+                      <a:pPr lvl="0" indent="0" marL="0">
+                        <a:buNone/>
+                      </a:pPr>
+                      <a:r>
+                        <a:rPr/>
+                        <a:t>Phase 2</a:t>
+                      </a:r>
+                    </a:p>
+                  </a:txBody>
+                </a:tc>
+                <a:tc>
+                  <a:txBody>
+                    <a:bodyPr/>
+                    <a:lstStyle/>
+                    <a:p>
+                      <a:pPr lvl="0" indent="0" marL="0">
+                        <a:buNone/>
+                      </a:pPr>
+                      <a:r>
+                        <a:rPr/>
+                        <a:t>W3-4</a:t>
+                      </a:r>
+                    </a:p>
+                  </a:txBody>
+                </a:tc>
+                <a:tc>
+                  <a:txBody>
+                    <a:bodyPr/>
+                    <a:lstStyle/>
+                    <a:p>
+                      <a:pPr lvl="0" indent="0" marL="0">
+                        <a:buNone/>
+                      </a:pPr>
+                      <a:r>
+                        <a:rPr/>
+                        <a:t>Mac 伺服器建置</a:t>
+                      </a:r>
+                    </a:p>
+                  </a:txBody>
+                </a:tc>
+              </a:tr>
+              <a:tr h="0">
+                <a:tc>
+                  <a:txBody>
+                    <a:bodyPr/>
+                    <a:lstStyle/>
+                    <a:p>
+                      <a:pPr lvl="0" indent="0" marL="0">
+                        <a:buNone/>
+                      </a:pPr>
+                      <a:r>
+                        <a:rPr/>
+                        <a:t>Phase 3</a:t>
+                      </a:r>
+                    </a:p>
+                  </a:txBody>
+                </a:tc>
+                <a:tc>
+                  <a:txBody>
+                    <a:bodyPr/>
+                    <a:lstStyle/>
+                    <a:p>
+                      <a:pPr lvl="0" indent="0" marL="0">
+                        <a:buNone/>
+                      </a:pPr>
+                      <a:r>
+                        <a:rPr/>
+                        <a:t>W5-6</a:t>
+                      </a:r>
+                    </a:p>
+                  </a:txBody>
+                </a:tc>
+                <a:tc>
+                  <a:txBody>
+                    <a:bodyPr/>
+                    <a:lstStyle/>
+                    <a:p>
+                      <a:pPr lvl="0" indent="0" marL="0">
+                        <a:buNone/>
+                      </a:pPr>
+                      <a:r>
+                        <a:rPr/>
+                        <a:t>Edge 安裝</a:t>
+                      </a:r>
+                    </a:p>
+                  </a:txBody>
+                </a:tc>
+              </a:tr>
+              <a:tr h="0">
+                <a:tc>
+                  <a:txBody>
+                    <a:bodyPr/>
+                    <a:lstStyle/>
+                    <a:p>
+                      <a:pPr lvl="0" indent="0" marL="0">
+                        <a:buNone/>
+                      </a:pPr>
+                      <a:r>
+                        <a:rPr/>
+                        <a:t>Phase 4</a:t>
+                      </a:r>
+                    </a:p>
+                  </a:txBody>
+                </a:tc>
+                <a:tc>
+                  <a:txBody>
+                    <a:bodyPr/>
+                    <a:lstStyle/>
+                    <a:p>
+                      <a:pPr lvl="0" indent="0" marL="0">
+                        <a:buNone/>
+                      </a:pPr>
+                      <a:r>
+                        <a:rPr/>
+                        <a:t>W7-8</a:t>
+                      </a:r>
+                    </a:p>
+                  </a:txBody>
+                </a:tc>
+                <a:tc>
+                  <a:txBody>
+                    <a:bodyPr/>
+                    <a:lstStyle/>
+                    <a:p>
+                      <a:pPr lvl="0" indent="0" marL="0">
+                        <a:buNone/>
+                      </a:pPr>
+                      <a:r>
+                        <a:rPr/>
+                        <a:t>API 整合</a:t>
+                      </a:r>
+                    </a:p>
+                  </a:txBody>
+                </a:tc>
+              </a:tr>
+              <a:tr h="0">
+                <a:tc>
+                  <a:txBody>
+                    <a:bodyPr/>
+                    <a:lstStyle/>
+                    <a:p>
+                      <a:pPr lvl="0" indent="0" marL="0">
+                        <a:buNone/>
+                      </a:pPr>
+                      <a:r>
+                        <a:rPr/>
+                        <a:t>Phase 5</a:t>
+                      </a:r>
+                    </a:p>
+                  </a:txBody>
+                </a:tc>
+                <a:tc>
+                  <a:txBody>
+                    <a:bodyPr/>
+                    <a:lstStyle/>
+                    <a:p>
+                      <a:pPr lvl="0" indent="0" marL="0">
+                        <a:buNone/>
+                      </a:pPr>
+                      <a:r>
+                        <a:rPr/>
+                        <a:t>W9-10</a:t>
+                      </a:r>
+                    </a:p>
+                  </a:txBody>
+                </a:tc>
+                <a:tc>
+                  <a:txBody>
+                    <a:bodyPr/>
+                    <a:lstStyle/>
+                    <a:p>
+                      <a:pPr lvl="0" indent="0" marL="0">
+                        <a:buNone/>
+                      </a:pPr>
+                      <a:r>
+                        <a:rPr/>
+                        <a:t>測試驗證</a:t>
+                      </a:r>
+                    </a:p>
+                  </a:txBody>
+                </a:tc>
+              </a:tr>
+              <a:tr h="0">
+                <a:tc>
+                  <a:txBody>
+                    <a:bodyPr/>
+                    <a:lstStyle/>
+                    <a:p>
+                      <a:pPr lvl="0" indent="0" marL="0">
+                        <a:buNone/>
+                      </a:pPr>
+                      <a:r>
+                        <a:rPr/>
+                        <a:t>Phase 6</a:t>
+                      </a:r>
+                    </a:p>
+                  </a:txBody>
+                </a:tc>
+                <a:tc>
+                  <a:txBody>
+                    <a:bodyPr/>
+                    <a:lstStyle/>
+                    <a:p>
+                      <a:pPr lvl="0" indent="0" marL="0">
+                        <a:buNone/>
+                      </a:pPr>
+                      <a:r>
+                        <a:rPr/>
+                        <a:t>W11-12</a:t>
+                      </a:r>
+                    </a:p>
+                  </a:txBody>
+                </a:tc>
+                <a:tc>
+                  <a:txBody>
+                    <a:bodyPr/>
+                    <a:lstStyle/>
+                    <a:p>
+                      <a:pPr lvl="0" indent="0" marL="0">
+                        <a:buNone/>
+                      </a:pPr>
+                      <a:r>
+                        <a:rPr/>
+                        <a:t>上線</a:t>
+                      </a:r>
+                    </a:p>
+                  </a:txBody>
+                </a:tc>
+              </a:tr>
+            </a:tbl>
+          </a:graphicData>
+        </a:graphic>
+      </p:graphicFrame>
     </p:spTree>
   </p:cSld>
 </p:sld>
@@ -6482,7 +6587,12 @@
             <p:ph type="title"/>
           </p:nvPr>
         </p:nvSpPr>
-        <p:spPr/>
+        <p:spPr>
+          <a:xfrm>
+            <a:off x="722313" y="3305176"/>
+            <a:ext cx="7772400" cy="1021556"/>
+          </a:xfrm>
+        </p:spPr>
         <p:txBody>
           <a:bodyPr/>
           <a:lstStyle/>
@@ -6492,201 +6602,11 @@
             </a:pPr>
             <a:r>
               <a:rPr/>
-              <a:t>技術驗證</a:t>
-            </a:r>
-          </a:p>
-        </p:txBody>
-      </p:sp>
-      <p:graphicFrame>
-        <p:nvGraphicFramePr>
-          <p:cNvPr id="6" name="Content Placeholder 5"/>
-          <p:cNvGraphicFramePr>
-            <a:graphicFrameLocks noGrp="1"/>
-          </p:cNvGraphicFramePr>
-          <p:nvPr>
-            <p:ph idx="1"/>
-          </p:nvPr>
-        </p:nvGraphicFramePr>
-        <p:xfrm>
-          <a:off x="457200" y="1193800"/>
-          <a:ext cx="8229600" cy="3390900"/>
-        </p:xfrm>
-        <a:graphic>
-          <a:graphicData uri="http://schemas.openxmlformats.org/drawingml/2006/table">
-            <a:tbl>
-              <a:tblPr firstRow="1" bandRow="1">
-                <a:tableStyleId>{5C22544A-7EE6-4342-B048-85BDC9FD1C3A}</a:tableStyleId>
-              </a:tblPr>
-              <a:tblGrid>
-                <a:gridCol w="4114800"/>
-                <a:gridCol w="4114800"/>
-              </a:tblGrid>
-              <a:tr h="0">
-                <a:tc>
-                  <a:txBody>
-                    <a:bodyPr/>
-                    <a:lstStyle/>
-                    <a:p>
-                      <a:pPr lvl="0" indent="0" marL="0">
-                        <a:buNone/>
-                      </a:pPr>
-                      <a:r>
-                        <a:rPr/>
-                        <a:t>驗證項目</a:t>
-                      </a:r>
-                    </a:p>
-                  </a:txBody>
-                  <a:tcPr/>
-                </a:tc>
-                <a:tc>
-                  <a:txBody>
-                    <a:bodyPr/>
-                    <a:lstStyle/>
-                    <a:p>
-                      <a:pPr lvl="0" indent="0" marL="0">
-                        <a:buNone/>
-                      </a:pPr>
-                      <a:r>
-                        <a:rPr/>
-                        <a:t>結果</a:t>
-                      </a:r>
-                    </a:p>
-                  </a:txBody>
-                  <a:tcPr/>
-                </a:tc>
-              </a:tr>
-              <a:tr h="0">
-                <a:tc>
-                  <a:txBody>
-                    <a:bodyPr/>
-                    <a:lstStyle/>
-                    <a:p>
-                      <a:pPr lvl="0" indent="0" marL="0">
-                        <a:buNone/>
-                      </a:pPr>
-                      <a:r>
-                        <a:rPr/>
-                        <a:t>Edge 即時推論</a:t>
-                      </a:r>
-                    </a:p>
-                  </a:txBody>
-                </a:tc>
-                <a:tc>
-                  <a:txBody>
-                    <a:bodyPr/>
-                    <a:lstStyle/>
-                    <a:p>
-                      <a:pPr lvl="0" indent="0" marL="0">
-                        <a:buNone/>
-                      </a:pPr>
-                      <a:r>
-                        <a:rPr/>
-                        <a:t>✓ 通過 (&lt; 50ms)</a:t>
-                      </a:r>
-                    </a:p>
-                  </a:txBody>
-                </a:tc>
-              </a:tr>
-              <a:tr h="0">
-                <a:tc>
-                  <a:txBody>
-                    <a:bodyPr/>
-                    <a:lstStyle/>
-                    <a:p>
-                      <a:pPr lvl="0" indent="0" marL="0">
-                        <a:buNone/>
-                      </a:pPr>
-                      <a:r>
-                        <a:rPr/>
-                        <a:t>Mac 批次分析</a:t>
-                      </a:r>
-                    </a:p>
-                  </a:txBody>
-                </a:tc>
-                <a:tc>
-                  <a:txBody>
-                    <a:bodyPr/>
-                    <a:lstStyle/>
-                    <a:p>
-                      <a:pPr lvl="0" indent="0" marL="0">
-                        <a:buNone/>
-                      </a:pPr>
-                      <a:r>
-                        <a:rPr/>
-                        <a:t>✓ 通過 (10x 實時)</a:t>
-                      </a:r>
-                    </a:p>
-                  </a:txBody>
-                </a:tc>
-              </a:tr>
-              <a:tr h="0">
-                <a:tc>
-                  <a:txBody>
-                    <a:bodyPr/>
-                    <a:lstStyle/>
-                    <a:p>
-                      <a:pPr lvl="0" indent="0" marL="0">
-                        <a:buNone/>
-                      </a:pPr>
-                      <a:r>
-                        <a:rPr/>
-                        <a:t>IoTSuite 整合</a:t>
-                      </a:r>
-                    </a:p>
-                  </a:txBody>
-                </a:tc>
-                <a:tc>
-                  <a:txBody>
-                    <a:bodyPr/>
-                    <a:lstStyle/>
-                    <a:p>
-                      <a:pPr lvl="0" indent="0" marL="0">
-                        <a:buNone/>
-                      </a:pPr>
-                      <a:r>
-                        <a:rPr/>
-                        <a:t>✓ 通過</a:t>
-                      </a:r>
-                    </a:p>
-                  </a:txBody>
-                </a:tc>
-              </a:tr>
-              <a:tr h="0">
-                <a:tc>
-                  <a:txBody>
-                    <a:bodyPr/>
-                    <a:lstStyle/>
-                    <a:p>
-                      <a:pPr lvl="0" indent="0" marL="0">
-                        <a:buNone/>
-                      </a:pPr>
-                      <a:r>
-                        <a:rPr/>
-                        <a:t>分段識別準確率</a:t>
-                      </a:r>
-                    </a:p>
-                  </a:txBody>
-                </a:tc>
-                <a:tc>
-                  <a:txBody>
-                    <a:bodyPr/>
-                    <a:lstStyle/>
-                    <a:p>
-                      <a:pPr lvl="0" indent="0" marL="0">
-                        <a:buNone/>
-                      </a:pPr>
-                      <a:r>
-                        <a:rPr/>
-                        <a:t>△ 85% (目標 90%)</a:t>
-                      </a:r>
-                    </a:p>
-                  </a:txBody>
-                </a:tc>
-              </a:tr>
-            </a:tbl>
-          </a:graphicData>
-        </a:graphic>
-      </p:graphicFrame>
+              <a:t>POC 驗證結果</a:t>
+            </a:r>
+          </a:p>
+        </p:txBody>
+      </p:sp>
     </p:spTree>
   </p:cSld>
 </p:sld>
@@ -6711,29 +6631,219 @@
       </p:grpSpPr>
       <p:sp>
         <p:nvSpPr>
-          <p:cNvPr id="3" name="Content Placeholder 2"/>
-          <p:cNvSpPr>
-            <a:spLocks noGrp="1"/>
-          </p:cNvSpPr>
+          <p:cNvPr id="2" name="Title 1"/>
+          <p:cNvSpPr>
+            <a:spLocks noGrp="1"/>
+          </p:cNvSpPr>
+          <p:nvPr>
+            <p:ph type="title"/>
+          </p:nvPr>
+        </p:nvSpPr>
+        <p:spPr/>
+        <p:txBody>
+          <a:bodyPr/>
+          <a:lstStyle/>
+          <a:p>
+            <a:pPr lvl="0" indent="0" marL="0">
+              <a:buNone/>
+            </a:pPr>
+            <a:r>
+              <a:rPr/>
+              <a:t>技術驗證</a:t>
+            </a:r>
+          </a:p>
+        </p:txBody>
+      </p:sp>
+      <p:graphicFrame>
+        <p:nvGraphicFramePr>
+          <p:cNvPr id="6" name="Content Placeholder 5"/>
+          <p:cNvGraphicFramePr>
+            <a:graphicFrameLocks noGrp="1"/>
+          </p:cNvGraphicFramePr>
           <p:nvPr>
             <p:ph idx="1"/>
           </p:nvPr>
-        </p:nvSpPr>
-        <p:spPr/>
-        <p:txBody>
-          <a:bodyPr/>
-          <a:lstStyle/>
-          <a:p>
-            <a:pPr lvl="0" indent="0" marL="0">
-              <a:buNone/>
-            </a:pPr>
-            <a:r>
-              <a:rPr b="1"/>
-              <a:t>結論：技術可行，建議進入正式專案</a:t>
-            </a:r>
-          </a:p>
-        </p:txBody>
-      </p:sp>
+        </p:nvGraphicFramePr>
+        <p:xfrm>
+          <a:off x="457200" y="1193800"/>
+          <a:ext cx="8229600" cy="3390900"/>
+        </p:xfrm>
+        <a:graphic>
+          <a:graphicData uri="http://schemas.openxmlformats.org/drawingml/2006/table">
+            <a:tbl>
+              <a:tblPr firstRow="1" bandRow="1">
+                <a:tableStyleId>{5C22544A-7EE6-4342-B048-85BDC9FD1C3A}</a:tableStyleId>
+              </a:tblPr>
+              <a:tblGrid>
+                <a:gridCol w="4114800"/>
+                <a:gridCol w="4114800"/>
+              </a:tblGrid>
+              <a:tr h="0">
+                <a:tc>
+                  <a:txBody>
+                    <a:bodyPr/>
+                    <a:lstStyle/>
+                    <a:p>
+                      <a:pPr lvl="0" indent="0" marL="0">
+                        <a:buNone/>
+                      </a:pPr>
+                      <a:r>
+                        <a:rPr/>
+                        <a:t>驗證項目</a:t>
+                      </a:r>
+                    </a:p>
+                  </a:txBody>
+                  <a:tcPr/>
+                </a:tc>
+                <a:tc>
+                  <a:txBody>
+                    <a:bodyPr/>
+                    <a:lstStyle/>
+                    <a:p>
+                      <a:pPr lvl="0" indent="0" marL="0">
+                        <a:buNone/>
+                      </a:pPr>
+                      <a:r>
+                        <a:rPr/>
+                        <a:t>結果</a:t>
+                      </a:r>
+                    </a:p>
+                  </a:txBody>
+                  <a:tcPr/>
+                </a:tc>
+              </a:tr>
+              <a:tr h="0">
+                <a:tc>
+                  <a:txBody>
+                    <a:bodyPr/>
+                    <a:lstStyle/>
+                    <a:p>
+                      <a:pPr lvl="0" indent="0" marL="0">
+                        <a:buNone/>
+                      </a:pPr>
+                      <a:r>
+                        <a:rPr/>
+                        <a:t>Edge 即時推論</a:t>
+                      </a:r>
+                    </a:p>
+                  </a:txBody>
+                </a:tc>
+                <a:tc>
+                  <a:txBody>
+                    <a:bodyPr/>
+                    <a:lstStyle/>
+                    <a:p>
+                      <a:pPr lvl="0" indent="0" marL="0">
+                        <a:buNone/>
+                      </a:pPr>
+                      <a:r>
+                        <a:rPr/>
+                        <a:t>✓ 通過 (&lt; 50ms)</a:t>
+                      </a:r>
+                    </a:p>
+                  </a:txBody>
+                </a:tc>
+              </a:tr>
+              <a:tr h="0">
+                <a:tc>
+                  <a:txBody>
+                    <a:bodyPr/>
+                    <a:lstStyle/>
+                    <a:p>
+                      <a:pPr lvl="0" indent="0" marL="0">
+                        <a:buNone/>
+                      </a:pPr>
+                      <a:r>
+                        <a:rPr/>
+                        <a:t>Mac 批次分析</a:t>
+                      </a:r>
+                    </a:p>
+                  </a:txBody>
+                </a:tc>
+                <a:tc>
+                  <a:txBody>
+                    <a:bodyPr/>
+                    <a:lstStyle/>
+                    <a:p>
+                      <a:pPr lvl="0" indent="0" marL="0">
+                        <a:buNone/>
+                      </a:pPr>
+                      <a:r>
+                        <a:rPr/>
+                        <a:t>✓ 通過 (10x 實時)</a:t>
+                      </a:r>
+                    </a:p>
+                  </a:txBody>
+                </a:tc>
+              </a:tr>
+              <a:tr h="0">
+                <a:tc>
+                  <a:txBody>
+                    <a:bodyPr/>
+                    <a:lstStyle/>
+                    <a:p>
+                      <a:pPr lvl="0" indent="0" marL="0">
+                        <a:buNone/>
+                      </a:pPr>
+                      <a:r>
+                        <a:rPr/>
+                        <a:t>IoTSuite 整合</a:t>
+                      </a:r>
+                    </a:p>
+                  </a:txBody>
+                </a:tc>
+                <a:tc>
+                  <a:txBody>
+                    <a:bodyPr/>
+                    <a:lstStyle/>
+                    <a:p>
+                      <a:pPr lvl="0" indent="0" marL="0">
+                        <a:buNone/>
+                      </a:pPr>
+                      <a:r>
+                        <a:rPr/>
+                        <a:t>✓ 通過</a:t>
+                      </a:r>
+                    </a:p>
+                  </a:txBody>
+                </a:tc>
+              </a:tr>
+              <a:tr h="0">
+                <a:tc>
+                  <a:txBody>
+                    <a:bodyPr/>
+                    <a:lstStyle/>
+                    <a:p>
+                      <a:pPr lvl="0" indent="0" marL="0">
+                        <a:buNone/>
+                      </a:pPr>
+                      <a:r>
+                        <a:rPr/>
+                        <a:t>分段識別準確率</a:t>
+                      </a:r>
+                    </a:p>
+                  </a:txBody>
+                </a:tc>
+                <a:tc>
+                  <a:txBody>
+                    <a:bodyPr/>
+                    <a:lstStyle/>
+                    <a:p>
+                      <a:pPr lvl="0" indent="0" marL="0">
+                        <a:buNone/>
+                      </a:pPr>
+                      <a:r>
+                        <a:rPr/>
+                        <a:t>△ 85% (目標 90%)</a:t>
+                      </a:r>
+                    </a:p>
+                  </a:txBody>
+                </a:tc>
+              </a:tr>
+            </a:tbl>
+          </a:graphicData>
+        </a:graphic>
+      </p:graphicFrame>
     </p:spTree>
   </p:cSld>
 </p:sld>
@@ -6758,20 +6868,15 @@
       </p:grpSpPr>
       <p:sp>
         <p:nvSpPr>
-          <p:cNvPr id="2" name="Title 1"/>
-          <p:cNvSpPr>
-            <a:spLocks noGrp="1"/>
-          </p:cNvSpPr>
-          <p:nvPr>
-            <p:ph type="title"/>
-          </p:nvPr>
-        </p:nvSpPr>
-        <p:spPr>
-          <a:xfrm>
-            <a:off x="722313" y="3305176"/>
-            <a:ext cx="7772400" cy="1021556"/>
-          </a:xfrm>
-        </p:spPr>
+          <p:cNvPr id="3" name="Content Placeholder 2"/>
+          <p:cNvSpPr>
+            <a:spLocks noGrp="1"/>
+          </p:cNvSpPr>
+          <p:nvPr>
+            <p:ph idx="1"/>
+          </p:nvPr>
+        </p:nvSpPr>
+        <p:spPr/>
         <p:txBody>
           <a:bodyPr/>
           <a:lstStyle/>
@@ -6780,8 +6885,8 @@
               <a:buNone/>
             </a:pPr>
             <a:r>
-              <a:rPr/>
-              <a:t>決策建議</a:t>
+              <a:rPr b="1"/>
+              <a:t>結論：技術可行，建議進入正式專案</a:t>
             </a:r>
           </a:p>
         </p:txBody>
@@ -6818,7 +6923,12 @@
             <p:ph type="title"/>
           </p:nvPr>
         </p:nvSpPr>
-        <p:spPr/>
+        <p:spPr>
+          <a:xfrm>
+            <a:off x="722313" y="3305176"/>
+            <a:ext cx="7772400" cy="1021556"/>
+          </a:xfrm>
+        </p:spPr>
         <p:txBody>
           <a:bodyPr/>
           <a:lstStyle/>
@@ -6828,231 +6938,11 @@
             </a:pPr>
             <a:r>
               <a:rPr/>
-              <a:t>待決策事項</a:t>
-            </a:r>
-          </a:p>
-        </p:txBody>
-      </p:sp>
-      <p:graphicFrame>
-        <p:nvGraphicFramePr>
-          <p:cNvPr id="6" name="Content Placeholder 5"/>
-          <p:cNvGraphicFramePr>
-            <a:graphicFrameLocks noGrp="1"/>
-          </p:cNvGraphicFramePr>
-          <p:nvPr>
-            <p:ph idx="1"/>
-          </p:nvPr>
-        </p:nvGraphicFramePr>
-        <p:xfrm>
-          <a:off x="457200" y="1193800"/>
-          <a:ext cx="8229600" cy="3390900"/>
-        </p:xfrm>
-        <a:graphic>
-          <a:graphicData uri="http://schemas.openxmlformats.org/drawingml/2006/table">
-            <a:tbl>
-              <a:tblPr firstRow="1" bandRow="1">
-                <a:tableStyleId>{5C22544A-7EE6-4342-B048-85BDC9FD1C3A}</a:tableStyleId>
-              </a:tblPr>
-              <a:tblGrid>
-                <a:gridCol w="2743200"/>
-                <a:gridCol w="2743200"/>
-                <a:gridCol w="2743200"/>
-              </a:tblGrid>
-              <a:tr h="0">
-                <a:tc>
-                  <a:txBody>
-                    <a:bodyPr/>
-                    <a:lstStyle/>
-                    <a:p>
-                      <a:pPr lvl="0" indent="0" marL="0">
-                        <a:buNone/>
-                      </a:pPr>
-                      <a:r>
-                        <a:rPr/>
-                        <a:t>編號</a:t>
-                      </a:r>
-                    </a:p>
-                  </a:txBody>
-                  <a:tcPr/>
-                </a:tc>
-                <a:tc>
-                  <a:txBody>
-                    <a:bodyPr/>
-                    <a:lstStyle/>
-                    <a:p>
-                      <a:pPr lvl="0" indent="0" marL="0">
-                        <a:buNone/>
-                      </a:pPr>
-                      <a:r>
-                        <a:rPr/>
-                        <a:t>項目</a:t>
-                      </a:r>
-                    </a:p>
-                  </a:txBody>
-                  <a:tcPr/>
-                </a:tc>
-                <a:tc>
-                  <a:txBody>
-                    <a:bodyPr/>
-                    <a:lstStyle/>
-                    <a:p>
-                      <a:pPr lvl="0" indent="0" marL="0">
-                        <a:buNone/>
-                      </a:pPr>
-                      <a:r>
-                        <a:rPr/>
-                        <a:t>建議</a:t>
-                      </a:r>
-                    </a:p>
-                  </a:txBody>
-                  <a:tcPr/>
-                </a:tc>
-              </a:tr>
-              <a:tr h="0">
-                <a:tc>
-                  <a:txBody>
-                    <a:bodyPr/>
-                    <a:lstStyle/>
-                    <a:p>
-                      <a:pPr lvl="0" indent="0" marL="0">
-                        <a:buNone/>
-                      </a:pPr>
-                      <a:r>
-                        <a:rPr/>
-                        <a:t>D1</a:t>
-                      </a:r>
-                    </a:p>
-                  </a:txBody>
-                </a:tc>
-                <a:tc>
-                  <a:txBody>
-                    <a:bodyPr/>
-                    <a:lstStyle/>
-                    <a:p>
-                      <a:pPr lvl="0" indent="0" marL="0">
-                        <a:buNone/>
-                      </a:pPr>
-                      <a:r>
-                        <a:rPr/>
-                        <a:t>是否加購 DataInsight</a:t>
-                      </a:r>
-                    </a:p>
-                  </a:txBody>
-                </a:tc>
-                <a:tc>
-                  <a:txBody>
-                    <a:bodyPr/>
-                    <a:lstStyle/>
-                    <a:p>
-                      <a:pPr lvl="0" indent="0" marL="0">
-                        <a:buNone/>
-                      </a:pPr>
-                      <a:r>
-                        <a:rPr/>
-                        <a:t>✓ 建議加購</a:t>
-                      </a:r>
-                    </a:p>
-                  </a:txBody>
-                </a:tc>
-              </a:tr>
-              <a:tr h="0">
-                <a:tc>
-                  <a:txBody>
-                    <a:bodyPr/>
-                    <a:lstStyle/>
-                    <a:p>
-                      <a:pPr lvl="0" indent="0" marL="0">
-                        <a:buNone/>
-                      </a:pPr>
-                      <a:r>
-                        <a:rPr/>
-                        <a:t>D2</a:t>
-                      </a:r>
-                    </a:p>
-                  </a:txBody>
-                </a:tc>
-                <a:tc>
-                  <a:txBody>
-                    <a:bodyPr/>
-                    <a:lstStyle/>
-                    <a:p>
-                      <a:pPr lvl="0" indent="0" marL="0">
-                        <a:buNone/>
-                      </a:pPr>
-                      <a:r>
-                        <a:rPr/>
-                        <a:t>是否分期採購</a:t>
-                      </a:r>
-                    </a:p>
-                  </a:txBody>
-                </a:tc>
-                <a:tc>
-                  <a:txBody>
-                    <a:bodyPr/>
-                    <a:lstStyle/>
-                    <a:p>
-                      <a:pPr lvl="0" indent="0" marL="0">
-                        <a:buNone/>
-                      </a:pPr>
-                      <a:r>
-                        <a:rPr/>
-                        <a:t>✓ 建議分期</a:t>
-                      </a:r>
-                    </a:p>
-                  </a:txBody>
-                </a:tc>
-              </a:tr>
-              <a:tr h="0">
-                <a:tc>
-                  <a:txBody>
-                    <a:bodyPr/>
-                    <a:lstStyle/>
-                    <a:p>
-                      <a:pPr lvl="0" indent="0" marL="0">
-                        <a:buNone/>
-                      </a:pPr>
-                      <a:r>
-                        <a:rPr/>
-                        <a:t>D3</a:t>
-                      </a:r>
-                    </a:p>
-                  </a:txBody>
-                </a:tc>
-                <a:tc>
-                  <a:txBody>
-                    <a:bodyPr/>
-                    <a:lstStyle/>
-                    <a:p>
-                      <a:pPr lvl="0" indent="0" marL="0">
-                        <a:buNone/>
-                      </a:pPr>
-                      <a:r>
-                        <a:rPr/>
-                        <a:t>預算核准</a:t>
-                      </a:r>
-                    </a:p>
-                  </a:txBody>
-                </a:tc>
-                <a:tc>
-                  <a:txBody>
-                    <a:bodyPr/>
-                    <a:lstStyle/>
-                    <a:p>
-                      <a:pPr lvl="0" indent="0" marL="0">
-                        <a:buNone/>
-                      </a:pPr>
-                      <a:r>
-                        <a:rPr/>
-                        <a:t>請核准</a:t>
-                      </a:r>
-                    </a:p>
-                  </a:txBody>
-                </a:tc>
-              </a:tr>
-            </a:tbl>
-          </a:graphicData>
-        </a:graphic>
-      </p:graphicFrame>
+              <a:t>決策建議</a:t>
+            </a:r>
+          </a:p>
+        </p:txBody>
+      </p:sp>
     </p:spTree>
   </p:cSld>
 </p:sld>
@@ -7095,79 +6985,231 @@
             </a:pPr>
             <a:r>
               <a:rPr/>
-              <a:t>下一步行動</a:t>
-            </a:r>
-          </a:p>
-        </p:txBody>
-      </p:sp>
-      <p:sp>
-        <p:nvSpPr>
-          <p:cNvPr id="3" name="Content Placeholder 2"/>
-          <p:cNvSpPr>
-            <a:spLocks noGrp="1"/>
-          </p:cNvSpPr>
+              <a:t>待決策事項</a:t>
+            </a:r>
+          </a:p>
+        </p:txBody>
+      </p:sp>
+      <p:graphicFrame>
+        <p:nvGraphicFramePr>
+          <p:cNvPr id="6" name="Content Placeholder 5"/>
+          <p:cNvGraphicFramePr>
+            <a:graphicFrameLocks noGrp="1"/>
+          </p:cNvGraphicFramePr>
           <p:nvPr>
             <p:ph idx="1"/>
           </p:nvPr>
-        </p:nvSpPr>
-        <p:spPr/>
-        <p:txBody>
-          <a:bodyPr/>
-          <a:lstStyle/>
-          <a:p>
-            <a:pPr lvl="0" indent="-342900" marL="342900">
-              <a:buAutoNum type="arabicPeriod"/>
-            </a:pPr>
-            <a:r>
-              <a:rPr b="1"/>
-              <a:t>本週</a:t>
-            </a:r>
-            <a:r>
-              <a:rPr/>
-              <a:t>：POC 報告簽核</a:t>
-            </a:r>
-          </a:p>
-          <a:p>
-            <a:pPr lvl="0" indent="-342900" marL="342900">
-              <a:buAutoNum type="arabicPeriod"/>
-            </a:pPr>
-            <a:r>
-              <a:rPr b="1"/>
-              <a:t>2 週內</a:t>
-            </a:r>
-            <a:r>
-              <a:rPr/>
-              <a:t>：預算核准</a:t>
-            </a:r>
-          </a:p>
-          <a:p>
-            <a:pPr lvl="0" indent="-342900" marL="342900">
-              <a:buAutoNum type="arabicPeriod"/>
-            </a:pPr>
-            <a:r>
-              <a:rPr b="1"/>
-              <a:t>3 週內</a:t>
-            </a:r>
-            <a:r>
-              <a:rPr/>
-              <a:t>：採購申請</a:t>
-            </a:r>
-          </a:p>
-          <a:p>
-            <a:pPr lvl="0" indent="-342900" marL="342900">
-              <a:buAutoNum type="arabicPeriod"/>
-            </a:pPr>
-            <a:r>
-              <a:rPr b="1"/>
-              <a:t>Q2</a:t>
-            </a:r>
-            <a:r>
-              <a:rPr/>
-              <a:t>：系統上線</a:t>
-            </a:r>
-          </a:p>
-        </p:txBody>
-      </p:sp>
+        </p:nvGraphicFramePr>
+        <p:xfrm>
+          <a:off x="457200" y="1193800"/>
+          <a:ext cx="8229600" cy="3390900"/>
+        </p:xfrm>
+        <a:graphic>
+          <a:graphicData uri="http://schemas.openxmlformats.org/drawingml/2006/table">
+            <a:tbl>
+              <a:tblPr firstRow="1" bandRow="1">
+                <a:tableStyleId>{5C22544A-7EE6-4342-B048-85BDC9FD1C3A}</a:tableStyleId>
+              </a:tblPr>
+              <a:tblGrid>
+                <a:gridCol w="2743200"/>
+                <a:gridCol w="2743200"/>
+                <a:gridCol w="2743200"/>
+              </a:tblGrid>
+              <a:tr h="0">
+                <a:tc>
+                  <a:txBody>
+                    <a:bodyPr/>
+                    <a:lstStyle/>
+                    <a:p>
+                      <a:pPr lvl="0" indent="0" marL="0">
+                        <a:buNone/>
+                      </a:pPr>
+                      <a:r>
+                        <a:rPr/>
+                        <a:t>編號</a:t>
+                      </a:r>
+                    </a:p>
+                  </a:txBody>
+                  <a:tcPr/>
+                </a:tc>
+                <a:tc>
+                  <a:txBody>
+                    <a:bodyPr/>
+                    <a:lstStyle/>
+                    <a:p>
+                      <a:pPr lvl="0" indent="0" marL="0">
+                        <a:buNone/>
+                      </a:pPr>
+                      <a:r>
+                        <a:rPr/>
+                        <a:t>項目</a:t>
+                      </a:r>
+                    </a:p>
+                  </a:txBody>
+                  <a:tcPr/>
+                </a:tc>
+                <a:tc>
+                  <a:txBody>
+                    <a:bodyPr/>
+                    <a:lstStyle/>
+                    <a:p>
+                      <a:pPr lvl="0" indent="0" marL="0">
+                        <a:buNone/>
+                      </a:pPr>
+                      <a:r>
+                        <a:rPr/>
+                        <a:t>建議</a:t>
+                      </a:r>
+                    </a:p>
+                  </a:txBody>
+                  <a:tcPr/>
+                </a:tc>
+              </a:tr>
+              <a:tr h="0">
+                <a:tc>
+                  <a:txBody>
+                    <a:bodyPr/>
+                    <a:lstStyle/>
+                    <a:p>
+                      <a:pPr lvl="0" indent="0" marL="0">
+                        <a:buNone/>
+                      </a:pPr>
+                      <a:r>
+                        <a:rPr/>
+                        <a:t>D1</a:t>
+                      </a:r>
+                    </a:p>
+                  </a:txBody>
+                </a:tc>
+                <a:tc>
+                  <a:txBody>
+                    <a:bodyPr/>
+                    <a:lstStyle/>
+                    <a:p>
+                      <a:pPr lvl="0" indent="0" marL="0">
+                        <a:buNone/>
+                      </a:pPr>
+                      <a:r>
+                        <a:rPr/>
+                        <a:t>是否加購 DataInsight</a:t>
+                      </a:r>
+                    </a:p>
+                  </a:txBody>
+                </a:tc>
+                <a:tc>
+                  <a:txBody>
+                    <a:bodyPr/>
+                    <a:lstStyle/>
+                    <a:p>
+                      <a:pPr lvl="0" indent="0" marL="0">
+                        <a:buNone/>
+                      </a:pPr>
+                      <a:r>
+                        <a:rPr/>
+                        <a:t>✓ 建議加購</a:t>
+                      </a:r>
+                    </a:p>
+                  </a:txBody>
+                </a:tc>
+              </a:tr>
+              <a:tr h="0">
+                <a:tc>
+                  <a:txBody>
+                    <a:bodyPr/>
+                    <a:lstStyle/>
+                    <a:p>
+                      <a:pPr lvl="0" indent="0" marL="0">
+                        <a:buNone/>
+                      </a:pPr>
+                      <a:r>
+                        <a:rPr/>
+                        <a:t>D2</a:t>
+                      </a:r>
+                    </a:p>
+                  </a:txBody>
+                </a:tc>
+                <a:tc>
+                  <a:txBody>
+                    <a:bodyPr/>
+                    <a:lstStyle/>
+                    <a:p>
+                      <a:pPr lvl="0" indent="0" marL="0">
+                        <a:buNone/>
+                      </a:pPr>
+                      <a:r>
+                        <a:rPr/>
+                        <a:t>是否分期採購</a:t>
+                      </a:r>
+                    </a:p>
+                  </a:txBody>
+                </a:tc>
+                <a:tc>
+                  <a:txBody>
+                    <a:bodyPr/>
+                    <a:lstStyle/>
+                    <a:p>
+                      <a:pPr lvl="0" indent="0" marL="0">
+                        <a:buNone/>
+                      </a:pPr>
+                      <a:r>
+                        <a:rPr/>
+                        <a:t>✓ 建議分期</a:t>
+                      </a:r>
+                    </a:p>
+                  </a:txBody>
+                </a:tc>
+              </a:tr>
+              <a:tr h="0">
+                <a:tc>
+                  <a:txBody>
+                    <a:bodyPr/>
+                    <a:lstStyle/>
+                    <a:p>
+                      <a:pPr lvl="0" indent="0" marL="0">
+                        <a:buNone/>
+                      </a:pPr>
+                      <a:r>
+                        <a:rPr/>
+                        <a:t>D3</a:t>
+                      </a:r>
+                    </a:p>
+                  </a:txBody>
+                </a:tc>
+                <a:tc>
+                  <a:txBody>
+                    <a:bodyPr/>
+                    <a:lstStyle/>
+                    <a:p>
+                      <a:pPr lvl="0" indent="0" marL="0">
+                        <a:buNone/>
+                      </a:pPr>
+                      <a:r>
+                        <a:rPr/>
+                        <a:t>預算核准</a:t>
+                      </a:r>
+                    </a:p>
+                  </a:txBody>
+                </a:tc>
+                <a:tc>
+                  <a:txBody>
+                    <a:bodyPr/>
+                    <a:lstStyle/>
+                    <a:p>
+                      <a:pPr lvl="0" indent="0" marL="0">
+                        <a:buNone/>
+                      </a:pPr>
+                      <a:r>
+                        <a:rPr/>
+                        <a:t>請核准</a:t>
+                      </a:r>
+                    </a:p>
+                  </a:txBody>
+                </a:tc>
+              </a:tr>
+            </a:tbl>
+          </a:graphicData>
+        </a:graphic>
+      </p:graphicFrame>
     </p:spTree>
   </p:cSld>
 </p:sld>
@@ -7200,6 +7242,121 @@
             <p:ph type="title"/>
           </p:nvPr>
         </p:nvSpPr>
+        <p:spPr/>
+        <p:txBody>
+          <a:bodyPr/>
+          <a:lstStyle/>
+          <a:p>
+            <a:pPr lvl="0" indent="0" marL="0">
+              <a:buNone/>
+            </a:pPr>
+            <a:r>
+              <a:rPr/>
+              <a:t>下一步行動</a:t>
+            </a:r>
+          </a:p>
+        </p:txBody>
+      </p:sp>
+      <p:sp>
+        <p:nvSpPr>
+          <p:cNvPr id="3" name="Content Placeholder 2"/>
+          <p:cNvSpPr>
+            <a:spLocks noGrp="1"/>
+          </p:cNvSpPr>
+          <p:nvPr>
+            <p:ph idx="1"/>
+          </p:nvPr>
+        </p:nvSpPr>
+        <p:spPr/>
+        <p:txBody>
+          <a:bodyPr/>
+          <a:lstStyle/>
+          <a:p>
+            <a:pPr lvl="0" indent="-342900" marL="342900">
+              <a:buAutoNum type="arabicPeriod"/>
+            </a:pPr>
+            <a:r>
+              <a:rPr b="1"/>
+              <a:t>本週</a:t>
+            </a:r>
+            <a:r>
+              <a:rPr/>
+              <a:t>：POC 報告簽核</a:t>
+            </a:r>
+          </a:p>
+          <a:p>
+            <a:pPr lvl="0" indent="-342900" marL="342900">
+              <a:buAutoNum type="arabicPeriod"/>
+            </a:pPr>
+            <a:r>
+              <a:rPr b="1"/>
+              <a:t>2 週內</a:t>
+            </a:r>
+            <a:r>
+              <a:rPr/>
+              <a:t>：預算核准</a:t>
+            </a:r>
+          </a:p>
+          <a:p>
+            <a:pPr lvl="0" indent="-342900" marL="342900">
+              <a:buAutoNum type="arabicPeriod"/>
+            </a:pPr>
+            <a:r>
+              <a:rPr b="1"/>
+              <a:t>3 週內</a:t>
+            </a:r>
+            <a:r>
+              <a:rPr/>
+              <a:t>：採購申請</a:t>
+            </a:r>
+          </a:p>
+          <a:p>
+            <a:pPr lvl="0" indent="-342900" marL="342900">
+              <a:buAutoNum type="arabicPeriod"/>
+            </a:pPr>
+            <a:r>
+              <a:rPr b="1"/>
+              <a:t>Q2</a:t>
+            </a:r>
+            <a:r>
+              <a:rPr/>
+              <a:t>：系統上線</a:t>
+            </a:r>
+          </a:p>
+        </p:txBody>
+      </p:sp>
+    </p:spTree>
+  </p:cSld>
+</p:sld>
+</file>
+
+<file path=ppt/slides/slide36.xml><?xml version="1.0" encoding="utf-8"?>
+<p:sld xmlns:a="http://schemas.openxmlformats.org/drawingml/2006/main" xmlns:r="http://schemas.openxmlformats.org/officeDocument/2006/relationships" xmlns:p="http://schemas.openxmlformats.org/presentationml/2006/main">
+  <p:cSld>
+    <p:spTree>
+      <p:nvGrpSpPr>
+        <p:cNvPr id="1" name=""/>
+        <p:cNvGrpSpPr/>
+        <p:nvPr/>
+      </p:nvGrpSpPr>
+      <p:grpSpPr>
+        <a:xfrm>
+          <a:off x="0" y="0"/>
+          <a:ext cx="0" cy="0"/>
+          <a:chOff x="0" y="0"/>
+          <a:chExt cx="0" cy="0"/>
+        </a:xfrm>
+      </p:grpSpPr>
+      <p:sp>
+        <p:nvSpPr>
+          <p:cNvPr id="2" name="Title 1"/>
+          <p:cNvSpPr>
+            <a:spLocks noGrp="1"/>
+          </p:cNvSpPr>
+          <p:nvPr>
+            <p:ph type="title"/>
+          </p:nvPr>
+        </p:nvSpPr>
         <p:spPr>
           <a:xfrm>
             <a:off x="722313" y="3305176"/>
@@ -7225,7 +7382,7 @@
 </p:sld>
 </file>
 
-<file path=ppt/slides/slide36.xml><?xml version="1.0" encoding="utf-8"?>
+<file path=ppt/slides/slide37.xml><?xml version="1.0" encoding="utf-8"?>
 <p:sld xmlns:a="http://schemas.openxmlformats.org/drawingml/2006/main" xmlns:r="http://schemas.openxmlformats.org/officeDocument/2006/relationships" xmlns:p="http://schemas.openxmlformats.org/presentationml/2006/main">
   <p:cSld>
     <p:spTree>
